--- a/Playstore App Reviews.pptx
+++ b/Playstore App Reviews.pptx
@@ -281,7 +281,7 @@
           <a:p>
             <a:fld id="{F06B55E9-369F-4F2F-BACA-DAECB812697F}" type="datetimeFigureOut">
               <a:rPr lang="en-IN" smtClean="0"/>
-              <a:t>26-06-2022</a:t>
+              <a:t>07-07-2022</a:t>
             </a:fld>
             <a:endParaRPr lang="en-IN"/>
           </a:p>
@@ -481,7 +481,7 @@
           <a:p>
             <a:fld id="{F06B55E9-369F-4F2F-BACA-DAECB812697F}" type="datetimeFigureOut">
               <a:rPr lang="en-IN" smtClean="0"/>
-              <a:t>26-06-2022</a:t>
+              <a:t>07-07-2022</a:t>
             </a:fld>
             <a:endParaRPr lang="en-IN"/>
           </a:p>
@@ -691,7 +691,7 @@
           <a:p>
             <a:fld id="{F06B55E9-369F-4F2F-BACA-DAECB812697F}" type="datetimeFigureOut">
               <a:rPr lang="en-IN" smtClean="0"/>
-              <a:t>26-06-2022</a:t>
+              <a:t>07-07-2022</a:t>
             </a:fld>
             <a:endParaRPr lang="en-IN"/>
           </a:p>
@@ -891,7 +891,7 @@
           <a:p>
             <a:fld id="{F06B55E9-369F-4F2F-BACA-DAECB812697F}" type="datetimeFigureOut">
               <a:rPr lang="en-IN" smtClean="0"/>
-              <a:t>26-06-2022</a:t>
+              <a:t>07-07-2022</a:t>
             </a:fld>
             <a:endParaRPr lang="en-IN"/>
           </a:p>
@@ -1167,7 +1167,7 @@
           <a:p>
             <a:fld id="{F06B55E9-369F-4F2F-BACA-DAECB812697F}" type="datetimeFigureOut">
               <a:rPr lang="en-IN" smtClean="0"/>
-              <a:t>26-06-2022</a:t>
+              <a:t>07-07-2022</a:t>
             </a:fld>
             <a:endParaRPr lang="en-IN"/>
           </a:p>
@@ -1435,7 +1435,7 @@
           <a:p>
             <a:fld id="{F06B55E9-369F-4F2F-BACA-DAECB812697F}" type="datetimeFigureOut">
               <a:rPr lang="en-IN" smtClean="0"/>
-              <a:t>26-06-2022</a:t>
+              <a:t>07-07-2022</a:t>
             </a:fld>
             <a:endParaRPr lang="en-IN"/>
           </a:p>
@@ -1850,7 +1850,7 @@
           <a:p>
             <a:fld id="{F06B55E9-369F-4F2F-BACA-DAECB812697F}" type="datetimeFigureOut">
               <a:rPr lang="en-IN" smtClean="0"/>
-              <a:t>26-06-2022</a:t>
+              <a:t>07-07-2022</a:t>
             </a:fld>
             <a:endParaRPr lang="en-IN"/>
           </a:p>
@@ -1992,7 +1992,7 @@
           <a:p>
             <a:fld id="{F06B55E9-369F-4F2F-BACA-DAECB812697F}" type="datetimeFigureOut">
               <a:rPr lang="en-IN" smtClean="0"/>
-              <a:t>26-06-2022</a:t>
+              <a:t>07-07-2022</a:t>
             </a:fld>
             <a:endParaRPr lang="en-IN"/>
           </a:p>
@@ -2105,7 +2105,7 @@
           <a:p>
             <a:fld id="{F06B55E9-369F-4F2F-BACA-DAECB812697F}" type="datetimeFigureOut">
               <a:rPr lang="en-IN" smtClean="0"/>
-              <a:t>26-06-2022</a:t>
+              <a:t>07-07-2022</a:t>
             </a:fld>
             <a:endParaRPr lang="en-IN"/>
           </a:p>
@@ -2418,7 +2418,7 @@
           <a:p>
             <a:fld id="{F06B55E9-369F-4F2F-BACA-DAECB812697F}" type="datetimeFigureOut">
               <a:rPr lang="en-IN" smtClean="0"/>
-              <a:t>26-06-2022</a:t>
+              <a:t>07-07-2022</a:t>
             </a:fld>
             <a:endParaRPr lang="en-IN"/>
           </a:p>
@@ -2707,7 +2707,7 @@
           <a:p>
             <a:fld id="{F06B55E9-369F-4F2F-BACA-DAECB812697F}" type="datetimeFigureOut">
               <a:rPr lang="en-IN" smtClean="0"/>
-              <a:t>26-06-2022</a:t>
+              <a:t>07-07-2022</a:t>
             </a:fld>
             <a:endParaRPr lang="en-IN"/>
           </a:p>
@@ -2950,7 +2950,7 @@
           <a:p>
             <a:fld id="{F06B55E9-369F-4F2F-BACA-DAECB812697F}" type="datetimeFigureOut">
               <a:rPr lang="en-IN" smtClean="0"/>
-              <a:t>26-06-2022</a:t>
+              <a:t>07-07-2022</a:t>
             </a:fld>
             <a:endParaRPr lang="en-IN"/>
           </a:p>
@@ -3792,7 +3792,7 @@
         </p:blipFill>
         <p:spPr bwMode="auto">
           <a:xfrm>
-            <a:off x="254153" y="1869141"/>
+            <a:off x="254153" y="1896035"/>
             <a:ext cx="11798671" cy="4504765"/>
           </a:xfrm>
           <a:prstGeom prst="rect">
@@ -3876,7 +3876,7 @@
                 <a:latin typeface="Times New Roman" panose="02020603050405020304" pitchFamily="18" charset="0"/>
                 <a:cs typeface="Times New Roman" panose="02020603050405020304" pitchFamily="18" charset="0"/>
               </a:rPr>
-              <a:t>Category and Count </a:t>
+              <a:t>Category and Installs </a:t>
             </a:r>
             <a:endParaRPr lang="en-IN" sz="3600" b="1" dirty="0">
               <a:solidFill>
@@ -3959,7 +3959,7 @@
         </p:blipFill>
         <p:spPr bwMode="auto">
           <a:xfrm>
-            <a:off x="645740" y="1872690"/>
+            <a:off x="645740" y="1886137"/>
             <a:ext cx="11115675" cy="4743450"/>
           </a:xfrm>
           <a:prstGeom prst="rect">
@@ -4840,15 +4840,16 @@
         <p:spPr>
           <a:xfrm>
             <a:off x="838200" y="1934333"/>
-            <a:ext cx="10515600" cy="2301491"/>
+            <a:ext cx="10515600" cy="2920055"/>
           </a:xfrm>
         </p:spPr>
         <p:txBody>
           <a:bodyPr>
-            <a:normAutofit/>
+            <a:normAutofit lnSpcReduction="10000"/>
           </a:bodyPr>
           <a:lstStyle/>
           <a:p>
+            <a:pPr algn="just"/>
             <a:r>
               <a:rPr lang="en-US" sz="2000" dirty="0">
                 <a:latin typeface="Times New Roman" panose="02020603050405020304" pitchFamily="18" charset="0"/>
@@ -4872,10 +4873,11 @@
                 <a:latin typeface="Times New Roman" panose="02020603050405020304" pitchFamily="18" charset="0"/>
                 <a:cs typeface="Times New Roman" panose="02020603050405020304" pitchFamily="18" charset="0"/>
               </a:rPr>
-              <a:t>I'm Rich - Trump Edition with price tag of 400$</a:t>
-            </a:r>
-          </a:p>
-          <a:p>
+              <a:t>I'm Rich - Trump Edition with price tag of 400$ and 3.6 star rating with more than 10,000 installs.</a:t>
+            </a:r>
+          </a:p>
+          <a:p>
+            <a:pPr algn="just"/>
             <a:r>
               <a:rPr lang="en-US" sz="2000" dirty="0">
                 <a:latin typeface="Times New Roman" panose="02020603050405020304" pitchFamily="18" charset="0"/>
@@ -4893,6 +4895,7 @@
             </a:r>
           </a:p>
           <a:p>
+            <a:pPr algn="just"/>
             <a:r>
               <a:rPr lang="en-US" sz="2000" dirty="0">
                 <a:latin typeface="Times New Roman" panose="02020603050405020304" pitchFamily="18" charset="0"/>
@@ -4902,12 +4905,41 @@
             </a:r>
           </a:p>
           <a:p>
+            <a:pPr algn="just"/>
             <a:r>
               <a:rPr lang="en-US" sz="2000" dirty="0">
                 <a:latin typeface="Times New Roman" panose="02020603050405020304" pitchFamily="18" charset="0"/>
                 <a:cs typeface="Times New Roman" panose="02020603050405020304" pitchFamily="18" charset="0"/>
               </a:rPr>
-              <a:t> There are 274 apps with 5 star rating</a:t>
+              <a:t> There are 274 apps with 5 star rating and top app with highest average user rating is "</a:t>
+            </a:r>
+            <a:r>
+              <a:rPr lang="en-US" sz="2000" dirty="0" err="1">
+                <a:latin typeface="Times New Roman" panose="02020603050405020304" pitchFamily="18" charset="0"/>
+                <a:cs typeface="Times New Roman" panose="02020603050405020304" pitchFamily="18" charset="0"/>
+              </a:rPr>
+              <a:t>Ek</a:t>
+            </a:r>
+            <a:r>
+              <a:rPr lang="en-US" sz="2000" dirty="0">
+                <a:latin typeface="Times New Roman" panose="02020603050405020304" pitchFamily="18" charset="0"/>
+                <a:cs typeface="Times New Roman" panose="02020603050405020304" pitchFamily="18" charset="0"/>
+              </a:rPr>
+              <a:t> Bander Ne </a:t>
+            </a:r>
+            <a:r>
+              <a:rPr lang="en-US" sz="2000" dirty="0" err="1">
+                <a:latin typeface="Times New Roman" panose="02020603050405020304" pitchFamily="18" charset="0"/>
+                <a:cs typeface="Times New Roman" panose="02020603050405020304" pitchFamily="18" charset="0"/>
+              </a:rPr>
+              <a:t>Kholi</a:t>
+            </a:r>
+            <a:r>
+              <a:rPr lang="en-US" sz="2000" dirty="0">
+                <a:latin typeface="Times New Roman" panose="02020603050405020304" pitchFamily="18" charset="0"/>
+                <a:cs typeface="Times New Roman" panose="02020603050405020304" pitchFamily="18" charset="0"/>
+              </a:rPr>
+              <a:t> Dukan" belonging to Family category and entertainment Genre with 10,000 plus downloads</a:t>
             </a:r>
             <a:endParaRPr lang="en-IN" sz="2000" dirty="0">
               <a:latin typeface="Times New Roman" panose="02020603050405020304" pitchFamily="18" charset="0"/>
@@ -5389,7 +5421,21 @@
                 <a:latin typeface="Times New Roman" panose="02020603050405020304" pitchFamily="18" charset="0"/>
                 <a:cs typeface="Times New Roman" panose="02020603050405020304" pitchFamily="18" charset="0"/>
               </a:rPr>
-              <a:t>It can be seen that more number of app reviews are subjective and positive in nature</a:t>
+              <a:t>It can be seen that more number of app reviews are subjective and positive in nature in comparison </a:t>
+            </a:r>
+            <a:r>
+              <a:rPr lang="en-US" sz="2400">
+                <a:latin typeface="Times New Roman" panose="02020603050405020304" pitchFamily="18" charset="0"/>
+                <a:cs typeface="Times New Roman" panose="02020603050405020304" pitchFamily="18" charset="0"/>
+              </a:rPr>
+              <a:t>with other subjectivity </a:t>
+            </a:r>
+            <a:r>
+              <a:rPr lang="en-US" sz="2400" dirty="0">
+                <a:latin typeface="Times New Roman" panose="02020603050405020304" pitchFamily="18" charset="0"/>
+                <a:cs typeface="Times New Roman" panose="02020603050405020304" pitchFamily="18" charset="0"/>
+              </a:rPr>
+              <a:t>and polarity parameters considered together.</a:t>
             </a:r>
           </a:p>
           <a:p>
@@ -5438,8 +5484,8 @@
         </p:blipFill>
         <p:spPr bwMode="auto">
           <a:xfrm>
-            <a:off x="1078006" y="1797044"/>
-            <a:ext cx="10035988" cy="5060956"/>
+            <a:off x="1434353" y="2156442"/>
+            <a:ext cx="9323294" cy="4701558"/>
           </a:xfrm>
           <a:prstGeom prst="rect">
             <a:avLst/>
@@ -8543,7 +8589,7 @@
                 <a:latin typeface="Times New Roman" panose="02020603050405020304" pitchFamily="18" charset="0"/>
                 <a:cs typeface="Times New Roman" panose="02020603050405020304" pitchFamily="18" charset="0"/>
               </a:rPr>
-              <a:t>Standard deviation for reviews from mean is about 0.48 stars</a:t>
+              <a:t>Standard deviation for ratings from mean is about 0.48 stars</a:t>
             </a:r>
             <a:endParaRPr lang="en-IN" sz="2400" dirty="0">
               <a:latin typeface="Times New Roman" panose="02020603050405020304" pitchFamily="18" charset="0"/>
